--- a/ppt/스크립트 언어 팀프로젝트 최종발표.pptx
+++ b/ppt/스크립트 언어 팀프로젝트 최종발표.pptx
@@ -4015,7 +4015,7 @@
         <p:spPr>
           <a:xfrm>
             <a:off x="1130270" y="1391654"/>
-            <a:ext cx="9603275" cy="4961019"/>
+            <a:ext cx="9603275" cy="4715531"/>
           </a:xfrm>
         </p:spPr>
         <p:txBody>
@@ -4251,7 +4251,12 @@
             <p:ph type="title"/>
           </p:nvPr>
         </p:nvSpPr>
-        <p:spPr/>
+        <p:spPr>
+          <a:xfrm>
+            <a:off x="1130270" y="953324"/>
+            <a:ext cx="9603275" cy="608055"/>
+          </a:xfrm>
+        </p:spPr>
         <p:txBody>
           <a:bodyPr/>
           <a:lstStyle/>
